--- a/Scrapper.pptx
+++ b/Scrapper.pptx
@@ -203,7 +203,7 @@
           <a:p>
             <a:fld id="{AA22891B-F260-41A9-AB7C-C050A1339C77}" type="datetimeFigureOut">
               <a:rPr lang="en-US" smtClean="0"/>
-              <a:t>6/15/2018</a:t>
+              <a:t>7/4/2018</a:t>
             </a:fld>
             <a:endParaRPr lang="en-US"/>
           </a:p>
@@ -743,7 +743,7 @@
             <a:fld id="{B61BEF0D-F0BB-DE4B-95CE-6DB70DBA9567}" type="datetimeFigureOut">
               <a:rPr lang="en-US" smtClean="0"/>
               <a:pPr/>
-              <a:t>6/15/2018</a:t>
+              <a:t>7/4/2018</a:t>
             </a:fld>
             <a:endParaRPr lang="en-US" dirty="0"/>
           </a:p>
@@ -1083,7 +1083,7 @@
             <a:fld id="{B61BEF0D-F0BB-DE4B-95CE-6DB70DBA9567}" type="datetimeFigureOut">
               <a:rPr lang="en-US" smtClean="0"/>
               <a:pPr/>
-              <a:t>6/15/2018</a:t>
+              <a:t>7/4/2018</a:t>
             </a:fld>
             <a:endParaRPr lang="en-US" dirty="0"/>
           </a:p>
@@ -1486,7 +1486,7 @@
             <a:fld id="{B61BEF0D-F0BB-DE4B-95CE-6DB70DBA9567}" type="datetimeFigureOut">
               <a:rPr lang="en-US" smtClean="0"/>
               <a:pPr/>
-              <a:t>6/15/2018</a:t>
+              <a:t>7/4/2018</a:t>
             </a:fld>
             <a:endParaRPr lang="en-US" dirty="0"/>
           </a:p>
@@ -1824,7 +1824,7 @@
             <a:fld id="{B61BEF0D-F0BB-DE4B-95CE-6DB70DBA9567}" type="datetimeFigureOut">
               <a:rPr lang="en-US" smtClean="0"/>
               <a:pPr/>
-              <a:t>6/15/2018</a:t>
+              <a:t>7/4/2018</a:t>
             </a:fld>
             <a:endParaRPr lang="en-US" dirty="0"/>
           </a:p>
@@ -2146,7 +2146,7 @@
             <a:fld id="{B61BEF0D-F0BB-DE4B-95CE-6DB70DBA9567}" type="datetimeFigureOut">
               <a:rPr lang="en-US" smtClean="0"/>
               <a:pPr/>
-              <a:t>6/15/2018</a:t>
+              <a:t>7/4/2018</a:t>
             </a:fld>
             <a:endParaRPr lang="en-US" dirty="0"/>
           </a:p>
@@ -2544,7 +2544,7 @@
             <a:fld id="{B61BEF0D-F0BB-DE4B-95CE-6DB70DBA9567}" type="datetimeFigureOut">
               <a:rPr lang="en-US" smtClean="0"/>
               <a:pPr/>
-              <a:t>6/15/2018</a:t>
+              <a:t>7/4/2018</a:t>
             </a:fld>
             <a:endParaRPr lang="en-US" dirty="0"/>
           </a:p>
@@ -2803,7 +2803,7 @@
             <a:fld id="{B61BEF0D-F0BB-DE4B-95CE-6DB70DBA9567}" type="datetimeFigureOut">
               <a:rPr lang="en-US" smtClean="0"/>
               <a:pPr/>
-              <a:t>6/15/2018</a:t>
+              <a:t>7/4/2018</a:t>
             </a:fld>
             <a:endParaRPr lang="en-US" dirty="0"/>
           </a:p>
@@ -3067,7 +3067,7 @@
             <a:fld id="{B61BEF0D-F0BB-DE4B-95CE-6DB70DBA9567}" type="datetimeFigureOut">
               <a:rPr lang="en-US" smtClean="0"/>
               <a:pPr/>
-              <a:t>6/15/2018</a:t>
+              <a:t>7/4/2018</a:t>
             </a:fld>
             <a:endParaRPr lang="en-US" dirty="0"/>
           </a:p>
@@ -3331,7 +3331,7 @@
             <a:fld id="{B61BEF0D-F0BB-DE4B-95CE-6DB70DBA9567}" type="datetimeFigureOut">
               <a:rPr lang="en-US" smtClean="0"/>
               <a:pPr/>
-              <a:t>6/15/2018</a:t>
+              <a:t>7/4/2018</a:t>
             </a:fld>
             <a:endParaRPr lang="en-US" dirty="0"/>
           </a:p>
@@ -3662,7 +3662,7 @@
             <a:fld id="{B61BEF0D-F0BB-DE4B-95CE-6DB70DBA9567}" type="datetimeFigureOut">
               <a:rPr lang="en-US" smtClean="0"/>
               <a:pPr/>
-              <a:t>6/15/2018</a:t>
+              <a:t>7/4/2018</a:t>
             </a:fld>
             <a:endParaRPr lang="en-US" dirty="0"/>
           </a:p>
@@ -3987,7 +3987,7 @@
             <a:fld id="{B61BEF0D-F0BB-DE4B-95CE-6DB70DBA9567}" type="datetimeFigureOut">
               <a:rPr lang="en-US" smtClean="0"/>
               <a:pPr/>
-              <a:t>6/15/2018</a:t>
+              <a:t>7/4/2018</a:t>
             </a:fld>
             <a:endParaRPr lang="en-US" dirty="0"/>
           </a:p>
@@ -4446,7 +4446,7 @@
             <a:fld id="{B61BEF0D-F0BB-DE4B-95CE-6DB70DBA9567}" type="datetimeFigureOut">
               <a:rPr lang="en-US" smtClean="0"/>
               <a:pPr/>
-              <a:t>6/15/2018</a:t>
+              <a:t>7/4/2018</a:t>
             </a:fld>
             <a:endParaRPr lang="en-US" dirty="0"/>
           </a:p>
@@ -4653,7 +4653,7 @@
             <a:fld id="{B61BEF0D-F0BB-DE4B-95CE-6DB70DBA9567}" type="datetimeFigureOut">
               <a:rPr lang="en-US" smtClean="0"/>
               <a:pPr/>
-              <a:t>6/15/2018</a:t>
+              <a:t>7/4/2018</a:t>
             </a:fld>
             <a:endParaRPr lang="en-US" dirty="0"/>
           </a:p>
@@ -4832,7 +4832,7 @@
             <a:fld id="{B61BEF0D-F0BB-DE4B-95CE-6DB70DBA9567}" type="datetimeFigureOut">
               <a:rPr lang="en-US" smtClean="0"/>
               <a:pPr/>
-              <a:t>6/15/2018</a:t>
+              <a:t>7/4/2018</a:t>
             </a:fld>
             <a:endParaRPr lang="en-US" dirty="0"/>
           </a:p>
@@ -5167,7 +5167,7 @@
             <a:fld id="{B61BEF0D-F0BB-DE4B-95CE-6DB70DBA9567}" type="datetimeFigureOut">
               <a:rPr lang="en-US" smtClean="0"/>
               <a:pPr/>
-              <a:t>6/15/2018</a:t>
+              <a:t>7/4/2018</a:t>
             </a:fld>
             <a:endParaRPr lang="en-US" dirty="0"/>
           </a:p>
@@ -5514,7 +5514,7 @@
             <a:fld id="{B61BEF0D-F0BB-DE4B-95CE-6DB70DBA9567}" type="datetimeFigureOut">
               <a:rPr lang="en-US" smtClean="0"/>
               <a:pPr/>
-              <a:t>6/15/2018</a:t>
+              <a:t>7/4/2018</a:t>
             </a:fld>
             <a:endParaRPr lang="en-US" dirty="0"/>
           </a:p>
@@ -7633,7 +7633,7 @@
             <a:fld id="{B61BEF0D-F0BB-DE4B-95CE-6DB70DBA9567}" type="datetimeFigureOut">
               <a:rPr lang="en-US" smtClean="0"/>
               <a:pPr/>
-              <a:t>6/15/2018</a:t>
+              <a:t>7/4/2018</a:t>
             </a:fld>
             <a:endParaRPr lang="en-US" dirty="0"/>
           </a:p>
@@ -8217,7 +8217,7 @@
           <a:p>
             <a:r>
               <a:rPr lang="en-US" dirty="0"/>
-              <a:t>Cycle 5 – Green Team</a:t>
+              <a:t>Cycle 8 – Green Team</a:t>
             </a:r>
           </a:p>
         </p:txBody>
@@ -8414,7 +8414,9 @@
         </p:nvSpPr>
         <p:spPr/>
         <p:txBody>
-          <a:bodyPr/>
+          <a:bodyPr>
+            <a:normAutofit fontScale="92500" lnSpcReduction="10000"/>
+          </a:bodyPr>
           <a:lstStyle/>
           <a:p>
             <a:r>
@@ -8431,6 +8433,20 @@
           <a:p>
             <a:r>
               <a:rPr lang="en-US" dirty="0"/>
+              <a:t>Run Scrapper</a:t>
+            </a:r>
+          </a:p>
+          <a:p>
+            <a:pPr lvl="1"/>
+            <a:r>
+              <a:rPr lang="en-US" dirty="0"/>
+              <a:t>First create a text file with the list of websites</a:t>
+            </a:r>
+          </a:p>
+          <a:p>
+            <a:pPr lvl="1"/>
+            <a:r>
+              <a:rPr lang="en-US" dirty="0"/>
               <a:t>Scrapper is run from the command line as administrator</a:t>
             </a:r>
           </a:p>
@@ -8438,26 +8454,34 @@
             <a:pPr lvl="1"/>
             <a:r>
               <a:rPr lang="en-US" dirty="0"/>
-              <a:t>Ex: python scrapper.py </a:t>
-            </a:r>
-            <a:r>
-              <a:rPr lang="en-US" dirty="0">
-                <a:hlinkClick r:id="rId2"/>
-              </a:rPr>
-              <a:t>https://www.nameofwebsite.com</a:t>
-            </a:r>
-            <a:endParaRPr lang="en-US" dirty="0"/>
+              <a:t>Ex: python scrapper.py websites.txt</a:t>
+            </a:r>
           </a:p>
           <a:p>
             <a:r>
               <a:rPr lang="en-US" dirty="0"/>
-              <a:t>Will display all links found on the webpage</a:t>
-            </a:r>
-          </a:p>
-          <a:p>
+              <a:t>Creates a directory in C with name of website</a:t>
+            </a:r>
+          </a:p>
+          <a:p>
+            <a:pPr lvl="1"/>
             <a:r>
               <a:rPr lang="en-US" dirty="0"/>
-              <a:t>Will save html to a directory on C drive</a:t>
+              <a:t>Will save all links found on the webpage in a .txt file</a:t>
+            </a:r>
+          </a:p>
+          <a:p>
+            <a:pPr lvl="1"/>
+            <a:r>
+              <a:rPr lang="en-US" dirty="0"/>
+              <a:t>Will save html to directory as .html</a:t>
+            </a:r>
+          </a:p>
+          <a:p>
+            <a:pPr lvl="1"/>
+            <a:r>
+              <a:rPr lang="en-US" dirty="0"/>
+              <a:t>Will save the robots.txt file</a:t>
             </a:r>
           </a:p>
         </p:txBody>
@@ -8542,8 +8566,12 @@
           <a:lstStyle/>
           <a:p>
             <a:r>
+              <a:rPr lang="en-US" strike="sngStrike" dirty="0"/>
+              <a:t>Command line  </a:t>
+            </a:r>
+            <a:r>
               <a:rPr lang="en-US" dirty="0"/>
-              <a:t>Command line options to scrap a website for:</a:t>
+              <a:t> GUI options to scrap a website for:</a:t>
             </a:r>
           </a:p>
           <a:p>
@@ -8588,6 +8616,32 @@
           <a:p>
             <a:r>
               <a:rPr lang="en-US" dirty="0"/>
+              <a:t>Allow user to specify where to download files</a:t>
+            </a:r>
+          </a:p>
+          <a:p>
+            <a:r>
+              <a:rPr lang="en-US" dirty="0"/>
+              <a:t>Identify </a:t>
+            </a:r>
+            <a:r>
+              <a:rPr lang="en-US" dirty="0" err="1"/>
+              <a:t>nonhtml</a:t>
+            </a:r>
+            <a:r>
+              <a:rPr lang="en-US" dirty="0"/>
+              <a:t> files and show them</a:t>
+            </a:r>
+          </a:p>
+          <a:p>
+            <a:r>
+              <a:rPr lang="en-US" strike="sngStrike" dirty="0"/>
+              <a:t>Allow scraping of more than one website</a:t>
+            </a:r>
+          </a:p>
+          <a:p>
+            <a:r>
+              <a:rPr lang="en-US" dirty="0"/>
               <a:t>Crawl http and https websites not using common ports </a:t>
             </a:r>
           </a:p>
@@ -8599,34 +8653,6 @@
             </a:r>
           </a:p>
           <a:p>
-            <a:r>
-              <a:rPr lang="en-US" dirty="0"/>
-              <a:t>Allow user to specify where to download files</a:t>
-            </a:r>
-          </a:p>
-          <a:p>
-            <a:r>
-              <a:rPr lang="en-US" dirty="0"/>
-              <a:t>Identify </a:t>
-            </a:r>
-            <a:r>
-              <a:rPr lang="en-US" dirty="0" err="1"/>
-              <a:t>nonhtml</a:t>
-            </a:r>
-            <a:r>
-              <a:rPr lang="en-US" dirty="0"/>
-              <a:t> files and show them</a:t>
-            </a:r>
-          </a:p>
-          <a:p>
-            <a:r>
-              <a:rPr lang="en-US" dirty="0"/>
-              <a:t>Allow scraping of </a:t>
-            </a:r>
-            <a:r>
-              <a:rPr lang="en-US"/>
-              <a:t>more than one website</a:t>
-            </a:r>
             <a:endParaRPr lang="en-US" dirty="0"/>
           </a:p>
           <a:p>

--- a/Scrapper.pptx
+++ b/Scrapper.pptx
@@ -5,18 +5,19 @@
     <p:sldMasterId id="2147483669" r:id="rId1"/>
   </p:sldMasterIdLst>
   <p:notesMasterIdLst>
-    <p:notesMasterId r:id="rId6"/>
+    <p:notesMasterId r:id="rId7"/>
   </p:notesMasterIdLst>
   <p:sldIdLst>
     <p:sldId id="256" r:id="rId2"/>
     <p:sldId id="257" r:id="rId3"/>
-    <p:sldId id="258" r:id="rId4"/>
+    <p:sldId id="260" r:id="rId4"/>
     <p:sldId id="259" r:id="rId5"/>
+    <p:sldId id="258" r:id="rId6"/>
   </p:sldIdLst>
   <p:sldSz cx="12192000" cy="6858000"/>
   <p:notesSz cx="6858000" cy="9144000"/>
   <p:custDataLst>
-    <p:tags r:id="rId7"/>
+    <p:tags r:id="rId8"/>
   </p:custDataLst>
   <p:defaultTextStyle>
     <a:defPPr>
@@ -121,6 +122,96 @@
 </p:presentation>
 </file>
 
+<file path=ppt/changesInfos/changesInfo1.xml><?xml version="1.0" encoding="utf-8"?>
+<pc:chgInfo xmlns:a="http://schemas.openxmlformats.org/drawingml/2006/main" xmlns:r="http://schemas.openxmlformats.org/officeDocument/2006/relationships" xmlns:ac="http://schemas.microsoft.com/office/drawing/2013/main/command" xmlns:pc="http://schemas.microsoft.com/office/powerpoint/2013/main/command">
+  <pc:docChgLst>
+    <pc:chgData name="Renee Carnley" userId="c44d12c1290895e2" providerId="LiveId" clId="{F5FAF2B0-B18F-4C79-AEBE-01DB2AEE1279}"/>
+    <pc:docChg chg="custSel addSld modSld sldOrd">
+      <pc:chgData name="Renee Carnley" userId="c44d12c1290895e2" providerId="LiveId" clId="{F5FAF2B0-B18F-4C79-AEBE-01DB2AEE1279}" dt="2018-07-26T00:32:45.440" v="667" actId="20577"/>
+      <pc:docMkLst>
+        <pc:docMk/>
+      </pc:docMkLst>
+      <pc:sldChg chg="modSp">
+        <pc:chgData name="Renee Carnley" userId="c44d12c1290895e2" providerId="LiveId" clId="{F5FAF2B0-B18F-4C79-AEBE-01DB2AEE1279}" dt="2018-07-26T00:32:45.440" v="667" actId="20577"/>
+        <pc:sldMkLst>
+          <pc:docMk/>
+          <pc:sldMk cId="3378604556" sldId="256"/>
+        </pc:sldMkLst>
+        <pc:spChg chg="mod">
+          <ac:chgData name="Renee Carnley" userId="c44d12c1290895e2" providerId="LiveId" clId="{F5FAF2B0-B18F-4C79-AEBE-01DB2AEE1279}" dt="2018-07-26T00:32:45.440" v="667" actId="20577"/>
+          <ac:spMkLst>
+            <pc:docMk/>
+            <pc:sldMk cId="3378604556" sldId="256"/>
+            <ac:spMk id="3" creationId="{67B1CA02-89E4-4291-8683-A9494B24AB80}"/>
+          </ac:spMkLst>
+        </pc:spChg>
+      </pc:sldChg>
+      <pc:sldChg chg="modSp">
+        <pc:chgData name="Renee Carnley" userId="c44d12c1290895e2" providerId="LiveId" clId="{F5FAF2B0-B18F-4C79-AEBE-01DB2AEE1279}" dt="2018-07-25T23:40:58.497" v="556" actId="20577"/>
+        <pc:sldMkLst>
+          <pc:docMk/>
+          <pc:sldMk cId="1466393632" sldId="258"/>
+        </pc:sldMkLst>
+        <pc:spChg chg="mod">
+          <ac:chgData name="Renee Carnley" userId="c44d12c1290895e2" providerId="LiveId" clId="{F5FAF2B0-B18F-4C79-AEBE-01DB2AEE1279}" dt="2018-07-25T23:40:58.497" v="556" actId="20577"/>
+          <ac:spMkLst>
+            <pc:docMk/>
+            <pc:sldMk cId="1466393632" sldId="258"/>
+            <ac:spMk id="3" creationId="{3A1D7C06-4476-4565-A6F3-1587073867E8}"/>
+          </ac:spMkLst>
+        </pc:spChg>
+      </pc:sldChg>
+      <pc:sldChg chg="modSp ord">
+        <pc:chgData name="Renee Carnley" userId="c44d12c1290895e2" providerId="LiveId" clId="{F5FAF2B0-B18F-4C79-AEBE-01DB2AEE1279}" dt="2018-07-25T23:43:33.633" v="664" actId="255"/>
+        <pc:sldMkLst>
+          <pc:docMk/>
+          <pc:sldMk cId="135362308" sldId="259"/>
+        </pc:sldMkLst>
+        <pc:spChg chg="mod">
+          <ac:chgData name="Renee Carnley" userId="c44d12c1290895e2" providerId="LiveId" clId="{F5FAF2B0-B18F-4C79-AEBE-01DB2AEE1279}" dt="2018-07-25T23:41:28.543" v="560" actId="20577"/>
+          <ac:spMkLst>
+            <pc:docMk/>
+            <pc:sldMk cId="135362308" sldId="259"/>
+            <ac:spMk id="2" creationId="{38E091BC-284D-465B-99E0-D1981B6356F3}"/>
+          </ac:spMkLst>
+        </pc:spChg>
+        <pc:spChg chg="mod">
+          <ac:chgData name="Renee Carnley" userId="c44d12c1290895e2" providerId="LiveId" clId="{F5FAF2B0-B18F-4C79-AEBE-01DB2AEE1279}" dt="2018-07-25T23:43:33.633" v="664" actId="255"/>
+          <ac:spMkLst>
+            <pc:docMk/>
+            <pc:sldMk cId="135362308" sldId="259"/>
+            <ac:spMk id="3" creationId="{A404DF13-F3EA-4E4F-9197-86CA9E7EB6E0}"/>
+          </ac:spMkLst>
+        </pc:spChg>
+      </pc:sldChg>
+      <pc:sldChg chg="modSp add">
+        <pc:chgData name="Renee Carnley" userId="c44d12c1290895e2" providerId="LiveId" clId="{F5FAF2B0-B18F-4C79-AEBE-01DB2AEE1279}" dt="2018-07-25T23:39:36.921" v="374" actId="20577"/>
+        <pc:sldMkLst>
+          <pc:docMk/>
+          <pc:sldMk cId="1155725467" sldId="260"/>
+        </pc:sldMkLst>
+        <pc:spChg chg="mod">
+          <ac:chgData name="Renee Carnley" userId="c44d12c1290895e2" providerId="LiveId" clId="{F5FAF2B0-B18F-4C79-AEBE-01DB2AEE1279}" dt="2018-07-25T23:32:10.687" v="48" actId="20577"/>
+          <ac:spMkLst>
+            <pc:docMk/>
+            <pc:sldMk cId="1155725467" sldId="260"/>
+            <ac:spMk id="2" creationId="{8DF8FF50-1443-4CF6-B4CE-E65CFFB974D7}"/>
+          </ac:spMkLst>
+        </pc:spChg>
+        <pc:spChg chg="mod">
+          <ac:chgData name="Renee Carnley" userId="c44d12c1290895e2" providerId="LiveId" clId="{F5FAF2B0-B18F-4C79-AEBE-01DB2AEE1279}" dt="2018-07-25T23:39:36.921" v="374" actId="20577"/>
+          <ac:spMkLst>
+            <pc:docMk/>
+            <pc:sldMk cId="1155725467" sldId="260"/>
+            <ac:spMk id="3" creationId="{D17708E0-95E0-4190-8514-AB193DFD2E1A}"/>
+          </ac:spMkLst>
+        </pc:spChg>
+      </pc:sldChg>
+    </pc:docChg>
+  </pc:docChgLst>
+</pc:chgInfo>
+</file>
+
 <file path=ppt/notesMasters/notesMaster1.xml><?xml version="1.0" encoding="utf-8"?>
 <p:notesMaster xmlns:a="http://schemas.openxmlformats.org/drawingml/2006/main" xmlns:r="http://schemas.openxmlformats.org/officeDocument/2006/relationships" xmlns:p="http://schemas.openxmlformats.org/presentationml/2006/main">
   <p:cSld>
@@ -203,7 +294,7 @@
           <a:p>
             <a:fld id="{AA22891B-F260-41A9-AB7C-C050A1339C77}" type="datetimeFigureOut">
               <a:rPr lang="en-US" smtClean="0"/>
-              <a:t>7/4/2018</a:t>
+              <a:t>7/25/2018</a:t>
             </a:fld>
             <a:endParaRPr lang="en-US"/>
           </a:p>
@@ -743,7 +834,7 @@
             <a:fld id="{B61BEF0D-F0BB-DE4B-95CE-6DB70DBA9567}" type="datetimeFigureOut">
               <a:rPr lang="en-US" smtClean="0"/>
               <a:pPr/>
-              <a:t>7/4/2018</a:t>
+              <a:t>7/25/2018</a:t>
             </a:fld>
             <a:endParaRPr lang="en-US" dirty="0"/>
           </a:p>
@@ -1083,7 +1174,7 @@
             <a:fld id="{B61BEF0D-F0BB-DE4B-95CE-6DB70DBA9567}" type="datetimeFigureOut">
               <a:rPr lang="en-US" smtClean="0"/>
               <a:pPr/>
-              <a:t>7/4/2018</a:t>
+              <a:t>7/25/2018</a:t>
             </a:fld>
             <a:endParaRPr lang="en-US" dirty="0"/>
           </a:p>
@@ -1486,7 +1577,7 @@
             <a:fld id="{B61BEF0D-F0BB-DE4B-95CE-6DB70DBA9567}" type="datetimeFigureOut">
               <a:rPr lang="en-US" smtClean="0"/>
               <a:pPr/>
-              <a:t>7/4/2018</a:t>
+              <a:t>7/25/2018</a:t>
             </a:fld>
             <a:endParaRPr lang="en-US" dirty="0"/>
           </a:p>
@@ -1824,7 +1915,7 @@
             <a:fld id="{B61BEF0D-F0BB-DE4B-95CE-6DB70DBA9567}" type="datetimeFigureOut">
               <a:rPr lang="en-US" smtClean="0"/>
               <a:pPr/>
-              <a:t>7/4/2018</a:t>
+              <a:t>7/25/2018</a:t>
             </a:fld>
             <a:endParaRPr lang="en-US" dirty="0"/>
           </a:p>
@@ -2146,7 +2237,7 @@
             <a:fld id="{B61BEF0D-F0BB-DE4B-95CE-6DB70DBA9567}" type="datetimeFigureOut">
               <a:rPr lang="en-US" smtClean="0"/>
               <a:pPr/>
-              <a:t>7/4/2018</a:t>
+              <a:t>7/25/2018</a:t>
             </a:fld>
             <a:endParaRPr lang="en-US" dirty="0"/>
           </a:p>
@@ -2544,7 +2635,7 @@
             <a:fld id="{B61BEF0D-F0BB-DE4B-95CE-6DB70DBA9567}" type="datetimeFigureOut">
               <a:rPr lang="en-US" smtClean="0"/>
               <a:pPr/>
-              <a:t>7/4/2018</a:t>
+              <a:t>7/25/2018</a:t>
             </a:fld>
             <a:endParaRPr lang="en-US" dirty="0"/>
           </a:p>
@@ -2803,7 +2894,7 @@
             <a:fld id="{B61BEF0D-F0BB-DE4B-95CE-6DB70DBA9567}" type="datetimeFigureOut">
               <a:rPr lang="en-US" smtClean="0"/>
               <a:pPr/>
-              <a:t>7/4/2018</a:t>
+              <a:t>7/25/2018</a:t>
             </a:fld>
             <a:endParaRPr lang="en-US" dirty="0"/>
           </a:p>
@@ -3067,7 +3158,7 @@
             <a:fld id="{B61BEF0D-F0BB-DE4B-95CE-6DB70DBA9567}" type="datetimeFigureOut">
               <a:rPr lang="en-US" smtClean="0"/>
               <a:pPr/>
-              <a:t>7/4/2018</a:t>
+              <a:t>7/25/2018</a:t>
             </a:fld>
             <a:endParaRPr lang="en-US" dirty="0"/>
           </a:p>
@@ -3331,7 +3422,7 @@
             <a:fld id="{B61BEF0D-F0BB-DE4B-95CE-6DB70DBA9567}" type="datetimeFigureOut">
               <a:rPr lang="en-US" smtClean="0"/>
               <a:pPr/>
-              <a:t>7/4/2018</a:t>
+              <a:t>7/25/2018</a:t>
             </a:fld>
             <a:endParaRPr lang="en-US" dirty="0"/>
           </a:p>
@@ -3662,7 +3753,7 @@
             <a:fld id="{B61BEF0D-F0BB-DE4B-95CE-6DB70DBA9567}" type="datetimeFigureOut">
               <a:rPr lang="en-US" smtClean="0"/>
               <a:pPr/>
-              <a:t>7/4/2018</a:t>
+              <a:t>7/25/2018</a:t>
             </a:fld>
             <a:endParaRPr lang="en-US" dirty="0"/>
           </a:p>
@@ -3987,7 +4078,7 @@
             <a:fld id="{B61BEF0D-F0BB-DE4B-95CE-6DB70DBA9567}" type="datetimeFigureOut">
               <a:rPr lang="en-US" smtClean="0"/>
               <a:pPr/>
-              <a:t>7/4/2018</a:t>
+              <a:t>7/25/2018</a:t>
             </a:fld>
             <a:endParaRPr lang="en-US" dirty="0"/>
           </a:p>
@@ -4446,7 +4537,7 @@
             <a:fld id="{B61BEF0D-F0BB-DE4B-95CE-6DB70DBA9567}" type="datetimeFigureOut">
               <a:rPr lang="en-US" smtClean="0"/>
               <a:pPr/>
-              <a:t>7/4/2018</a:t>
+              <a:t>7/25/2018</a:t>
             </a:fld>
             <a:endParaRPr lang="en-US" dirty="0"/>
           </a:p>
@@ -4653,7 +4744,7 @@
             <a:fld id="{B61BEF0D-F0BB-DE4B-95CE-6DB70DBA9567}" type="datetimeFigureOut">
               <a:rPr lang="en-US" smtClean="0"/>
               <a:pPr/>
-              <a:t>7/4/2018</a:t>
+              <a:t>7/25/2018</a:t>
             </a:fld>
             <a:endParaRPr lang="en-US" dirty="0"/>
           </a:p>
@@ -4832,7 +4923,7 @@
             <a:fld id="{B61BEF0D-F0BB-DE4B-95CE-6DB70DBA9567}" type="datetimeFigureOut">
               <a:rPr lang="en-US" smtClean="0"/>
               <a:pPr/>
-              <a:t>7/4/2018</a:t>
+              <a:t>7/25/2018</a:t>
             </a:fld>
             <a:endParaRPr lang="en-US" dirty="0"/>
           </a:p>
@@ -5167,7 +5258,7 @@
             <a:fld id="{B61BEF0D-F0BB-DE4B-95CE-6DB70DBA9567}" type="datetimeFigureOut">
               <a:rPr lang="en-US" smtClean="0"/>
               <a:pPr/>
-              <a:t>7/4/2018</a:t>
+              <a:t>7/25/2018</a:t>
             </a:fld>
             <a:endParaRPr lang="en-US" dirty="0"/>
           </a:p>
@@ -5514,7 +5605,7 @@
             <a:fld id="{B61BEF0D-F0BB-DE4B-95CE-6DB70DBA9567}" type="datetimeFigureOut">
               <a:rPr lang="en-US" smtClean="0"/>
               <a:pPr/>
-              <a:t>7/4/2018</a:t>
+              <a:t>7/25/2018</a:t>
             </a:fld>
             <a:endParaRPr lang="en-US" dirty="0"/>
           </a:p>
@@ -7633,7 +7724,7 @@
             <a:fld id="{B61BEF0D-F0BB-DE4B-95CE-6DB70DBA9567}" type="datetimeFigureOut">
               <a:rPr lang="en-US" smtClean="0"/>
               <a:pPr/>
-              <a:t>7/4/2018</a:t>
+              <a:t>7/25/2018</a:t>
             </a:fld>
             <a:endParaRPr lang="en-US" dirty="0"/>
           </a:p>
@@ -8216,8 +8307,12 @@
           </a:p>
           <a:p>
             <a:r>
+              <a:rPr lang="en-US"/>
+              <a:t>Cycle 11 </a:t>
+            </a:r>
+            <a:r>
               <a:rPr lang="en-US" dirty="0"/>
-              <a:t>Cycle 8 – Green Team</a:t>
+              <a:t>– Green Team</a:t>
             </a:r>
           </a:p>
         </p:txBody>
@@ -8373,7 +8468,7 @@
           <p:cNvPr id="2" name="Title 1">
             <a:extLst>
               <a:ext uri="{FF2B5EF4-FFF2-40B4-BE49-F238E27FC236}">
-                <a16:creationId xmlns:a16="http://schemas.microsoft.com/office/drawing/2014/main" id="{2D3AE4EC-8D6D-41DB-A55A-F028EFB52160}"/>
+                <a16:creationId xmlns:a16="http://schemas.microsoft.com/office/drawing/2014/main" id="{8DF8FF50-1443-4CF6-B4CE-E65CFFB974D7}"/>
               </a:ext>
             </a:extLst>
           </p:cNvPr>
@@ -8391,7 +8486,7 @@
           <a:p>
             <a:r>
               <a:rPr lang="en-US" dirty="0"/>
-              <a:t>Scrapper.py	</a:t>
+              <a:t>Scrapper System Stats</a:t>
             </a:r>
           </a:p>
         </p:txBody>
@@ -8401,7 +8496,7 @@
           <p:cNvPr id="3" name="Content Placeholder 2">
             <a:extLst>
               <a:ext uri="{FF2B5EF4-FFF2-40B4-BE49-F238E27FC236}">
-                <a16:creationId xmlns:a16="http://schemas.microsoft.com/office/drawing/2014/main" id="{3A1D7C06-4476-4565-A6F3-1587073867E8}"/>
+                <a16:creationId xmlns:a16="http://schemas.microsoft.com/office/drawing/2014/main" id="{D17708E0-95E0-4190-8514-AB193DFD2E1A}"/>
               </a:ext>
             </a:extLst>
           </p:cNvPr>
@@ -8414,82 +8509,56 @@
         </p:nvSpPr>
         <p:spPr/>
         <p:txBody>
-          <a:bodyPr>
-            <a:normAutofit fontScale="92500" lnSpcReduction="10000"/>
-          </a:bodyPr>
+          <a:bodyPr/>
           <a:lstStyle/>
           <a:p>
             <a:r>
               <a:rPr lang="en-US" dirty="0"/>
-              <a:t>Simple web scraping tool that gathers data from a website</a:t>
+              <a:t>Simple web scraping tool that gathers data from websites</a:t>
             </a:r>
           </a:p>
           <a:p>
             <a:r>
               <a:rPr lang="en-US" dirty="0"/>
-              <a:t>Scrapper was written and tested on Windows 10 but theoretically using python which should run on any OS</a:t>
+              <a:t>Built on Windows 10</a:t>
             </a:r>
           </a:p>
           <a:p>
             <a:r>
               <a:rPr lang="en-US" dirty="0"/>
-              <a:t>Run Scrapper</a:t>
-            </a:r>
-          </a:p>
-          <a:p>
-            <a:pPr lvl="1"/>
+              <a:t>Python 3.6.5</a:t>
+            </a:r>
+          </a:p>
+          <a:p>
             <a:r>
               <a:rPr lang="en-US" dirty="0"/>
-              <a:t>First create a text file with the list of websites</a:t>
-            </a:r>
-          </a:p>
-          <a:p>
-            <a:pPr lvl="1"/>
+              <a:t>Utilizes </a:t>
+            </a:r>
+            <a:r>
+              <a:rPr lang="en-US" dirty="0" err="1"/>
+              <a:t>BeautifulSoup</a:t>
+            </a:r>
             <a:r>
               <a:rPr lang="en-US" dirty="0"/>
-              <a:t>Scrapper is run from the command line as administrator</a:t>
-            </a:r>
-          </a:p>
-          <a:p>
-            <a:pPr lvl="1"/>
-            <a:r>
-              <a:rPr lang="en-US" dirty="0"/>
-              <a:t>Ex: python scrapper.py websites.txt</a:t>
-            </a:r>
-          </a:p>
-          <a:p>
-            <a:r>
-              <a:rPr lang="en-US" dirty="0"/>
-              <a:t>Creates a directory in C with name of website</a:t>
-            </a:r>
-          </a:p>
-          <a:p>
-            <a:pPr lvl="1"/>
-            <a:r>
-              <a:rPr lang="en-US" dirty="0"/>
-              <a:t>Will save all links found on the webpage in a .txt file</a:t>
-            </a:r>
-          </a:p>
-          <a:p>
-            <a:pPr lvl="1"/>
-            <a:r>
-              <a:rPr lang="en-US" dirty="0"/>
-              <a:t>Will save html to directory as .html</a:t>
-            </a:r>
-          </a:p>
-          <a:p>
-            <a:pPr lvl="1"/>
-            <a:r>
-              <a:rPr lang="en-US" dirty="0"/>
-              <a:t>Will save the robots.txt file</a:t>
-            </a:r>
+              <a:t> 4.6.0 libraries - </a:t>
+            </a:r>
+            <a:r>
+              <a:rPr lang="en-US" dirty="0">
+                <a:hlinkClick r:id="rId2"/>
+              </a:rPr>
+              <a:t>https://pypi.org/project/beautifulsoup4/</a:t>
+            </a:r>
+            <a:endParaRPr lang="en-US" dirty="0"/>
+          </a:p>
+          <a:p>
+            <a:endParaRPr lang="en-US" dirty="0"/>
           </a:p>
         </p:txBody>
       </p:sp>
     </p:spTree>
     <p:extLst>
       <p:ext uri="{BB962C8B-B14F-4D97-AF65-F5344CB8AC3E}">
-        <p14:creationId xmlns:p14="http://schemas.microsoft.com/office/powerpoint/2010/main" val="1466393632"/>
+        <p14:creationId xmlns:p14="http://schemas.microsoft.com/office/powerpoint/2010/main" val="1155725467"/>
       </p:ext>
     </p:extLst>
   </p:cSld>
@@ -8539,7 +8608,7 @@
           <a:p>
             <a:r>
               <a:rPr lang="en-US" dirty="0"/>
-              <a:t>Scrapper Future Features	</a:t>
+              <a:t>Scrapper New Features	</a:t>
             </a:r>
           </a:p>
         </p:txBody>
@@ -8560,96 +8629,31 @@
             <p:ph idx="1"/>
           </p:nvPr>
         </p:nvSpPr>
-        <p:spPr/>
+        <p:spPr>
+          <a:xfrm>
+            <a:off x="2394340" y="3064190"/>
+            <a:ext cx="8915400" cy="3777622"/>
+          </a:xfrm>
+        </p:spPr>
         <p:txBody>
           <a:bodyPr/>
           <a:lstStyle/>
           <a:p>
             <a:r>
-              <a:rPr lang="en-US" strike="sngStrike" dirty="0"/>
-              <a:t>Command line  </a:t>
-            </a:r>
-            <a:r>
-              <a:rPr lang="en-US" dirty="0"/>
-              <a:t> GUI options to scrap a website for:</a:t>
-            </a:r>
-          </a:p>
-          <a:p>
-            <a:pPr lvl="1"/>
-            <a:r>
-              <a:rPr lang="en-US" dirty="0"/>
-              <a:t>Links -&gt; </a:t>
-            </a:r>
-            <a:r>
-              <a:rPr lang="en-US" dirty="0" err="1"/>
-              <a:t>aref</a:t>
-            </a:r>
-            <a:endParaRPr lang="en-US" dirty="0"/>
-          </a:p>
-          <a:p>
-            <a:pPr lvl="1"/>
-            <a:r>
-              <a:rPr lang="en-US" dirty="0"/>
-              <a:t>tags -&gt; p, h, class or id</a:t>
-            </a:r>
-          </a:p>
-          <a:p>
-            <a:pPr lvl="1"/>
-            <a:r>
-              <a:rPr lang="en-US" dirty="0"/>
-              <a:t>CSS selectors -&gt; body </a:t>
-            </a:r>
-            <a:r>
-              <a:rPr lang="en-US" dirty="0" err="1"/>
-              <a:t>p.outer</a:t>
-            </a:r>
-            <a:r>
-              <a:rPr lang="en-US" dirty="0"/>
-              <a:t>-text, </a:t>
-            </a:r>
-            <a:r>
-              <a:rPr lang="en-US" dirty="0" err="1"/>
-              <a:t>p#first</a:t>
-            </a:r>
-            <a:endParaRPr lang="en-US" dirty="0"/>
-          </a:p>
-          <a:p>
-            <a:r>
-              <a:rPr lang="en-US" dirty="0"/>
-              <a:t>Allow user to specify where to download files</a:t>
-            </a:r>
-          </a:p>
-          <a:p>
-            <a:r>
-              <a:rPr lang="en-US" dirty="0"/>
-              <a:t>Identify </a:t>
-            </a:r>
-            <a:r>
-              <a:rPr lang="en-US" dirty="0" err="1"/>
-              <a:t>nonhtml</a:t>
-            </a:r>
-            <a:r>
-              <a:rPr lang="en-US" dirty="0"/>
-              <a:t> files and show them</a:t>
-            </a:r>
-          </a:p>
-          <a:p>
-            <a:r>
-              <a:rPr lang="en-US" strike="sngStrike" dirty="0"/>
-              <a:t>Allow scraping of more than one website</a:t>
-            </a:r>
-          </a:p>
-          <a:p>
-            <a:r>
-              <a:rPr lang="en-US" dirty="0"/>
-              <a:t>Crawl http and https websites not using common ports </a:t>
-            </a:r>
-          </a:p>
-          <a:p>
-            <a:pPr lvl="1"/>
-            <a:r>
-              <a:rPr lang="en-US" dirty="0"/>
-              <a:t>This will incorporate knocker.py functionality</a:t>
+              <a:rPr lang="en-US" sz="2000" dirty="0"/>
+              <a:t>Allows user to enter location of website files</a:t>
+            </a:r>
+          </a:p>
+          <a:p>
+            <a:r>
+              <a:rPr lang="en-US" sz="2000" dirty="0"/>
+              <a:t>Allows user to specify where to download scraped files</a:t>
+            </a:r>
+          </a:p>
+          <a:p>
+            <a:r>
+              <a:rPr lang="en-US" sz="2000" dirty="0"/>
+              <a:t>Incorporates knocker.py functionality</a:t>
             </a:r>
           </a:p>
           <a:p>
@@ -8664,6 +8668,143 @@
     <p:extLst>
       <p:ext uri="{BB962C8B-B14F-4D97-AF65-F5344CB8AC3E}">
         <p14:creationId xmlns:p14="http://schemas.microsoft.com/office/powerpoint/2010/main" val="135362308"/>
+      </p:ext>
+    </p:extLst>
+  </p:cSld>
+  <p:clrMapOvr>
+    <a:masterClrMapping/>
+  </p:clrMapOvr>
+</p:sld>
+</file>
+
+<file path=ppt/slides/slide5.xml><?xml version="1.0" encoding="utf-8"?>
+<p:sld xmlns:a="http://schemas.openxmlformats.org/drawingml/2006/main" xmlns:r="http://schemas.openxmlformats.org/officeDocument/2006/relationships" xmlns:p="http://schemas.openxmlformats.org/presentationml/2006/main">
+  <p:cSld>
+    <p:spTree>
+      <p:nvGrpSpPr>
+        <p:cNvPr id="1" name=""/>
+        <p:cNvGrpSpPr/>
+        <p:nvPr/>
+      </p:nvGrpSpPr>
+      <p:grpSpPr>
+        <a:xfrm>
+          <a:off x="0" y="0"/>
+          <a:ext cx="0" cy="0"/>
+          <a:chOff x="0" y="0"/>
+          <a:chExt cx="0" cy="0"/>
+        </a:xfrm>
+      </p:grpSpPr>
+      <p:sp>
+        <p:nvSpPr>
+          <p:cNvPr id="2" name="Title 1">
+            <a:extLst>
+              <a:ext uri="{FF2B5EF4-FFF2-40B4-BE49-F238E27FC236}">
+                <a16:creationId xmlns:a16="http://schemas.microsoft.com/office/drawing/2014/main" id="{2D3AE4EC-8D6D-41DB-A55A-F028EFB52160}"/>
+              </a:ext>
+            </a:extLst>
+          </p:cNvPr>
+          <p:cNvSpPr>
+            <a:spLocks noGrp="1"/>
+          </p:cNvSpPr>
+          <p:nvPr>
+            <p:ph type="title"/>
+          </p:nvPr>
+        </p:nvSpPr>
+        <p:spPr/>
+        <p:txBody>
+          <a:bodyPr/>
+          <a:lstStyle/>
+          <a:p>
+            <a:r>
+              <a:rPr lang="en-US" dirty="0"/>
+              <a:t>Scrapper.py	</a:t>
+            </a:r>
+          </a:p>
+        </p:txBody>
+      </p:sp>
+      <p:sp>
+        <p:nvSpPr>
+          <p:cNvPr id="3" name="Content Placeholder 2">
+            <a:extLst>
+              <a:ext uri="{FF2B5EF4-FFF2-40B4-BE49-F238E27FC236}">
+                <a16:creationId xmlns:a16="http://schemas.microsoft.com/office/drawing/2014/main" id="{3A1D7C06-4476-4565-A6F3-1587073867E8}"/>
+              </a:ext>
+            </a:extLst>
+          </p:cNvPr>
+          <p:cNvSpPr>
+            <a:spLocks noGrp="1"/>
+          </p:cNvSpPr>
+          <p:nvPr>
+            <p:ph idx="1"/>
+          </p:nvPr>
+        </p:nvSpPr>
+        <p:spPr/>
+        <p:txBody>
+          <a:bodyPr>
+            <a:normAutofit/>
+          </a:bodyPr>
+          <a:lstStyle/>
+          <a:p>
+            <a:r>
+              <a:rPr lang="en-US" dirty="0"/>
+              <a:t>Run Scrapper</a:t>
+            </a:r>
+          </a:p>
+          <a:p>
+            <a:pPr lvl="1"/>
+            <a:r>
+              <a:rPr lang="en-US" dirty="0"/>
+              <a:t>First create a text file with the list of websites</a:t>
+            </a:r>
+          </a:p>
+          <a:p>
+            <a:pPr lvl="1"/>
+            <a:r>
+              <a:rPr lang="en-US" dirty="0"/>
+              <a:t>Scrapper is run from the command line as administrator</a:t>
+            </a:r>
+          </a:p>
+          <a:p>
+            <a:pPr lvl="1"/>
+            <a:r>
+              <a:rPr lang="en-US" dirty="0"/>
+              <a:t>Ex: python scrapper.py </a:t>
+            </a:r>
+          </a:p>
+          <a:p>
+            <a:pPr lvl="1"/>
+            <a:r>
+              <a:rPr lang="en-US" dirty="0"/>
+              <a:t>Scrapper will prompt for location of website list</a:t>
+            </a:r>
+          </a:p>
+          <a:p>
+            <a:pPr lvl="1"/>
+            <a:r>
+              <a:rPr lang="en-US" dirty="0"/>
+              <a:t>Scrapper will prompt for where the user wants the scraped files stored</a:t>
+            </a:r>
+          </a:p>
+          <a:p>
+            <a:pPr lvl="1"/>
+            <a:r>
+              <a:rPr lang="en-US" dirty="0"/>
+              <a:t>Scrapper will ask if the user wants to perform a port scan of the website</a:t>
+            </a:r>
+          </a:p>
+          <a:p>
+            <a:pPr lvl="1"/>
+            <a:r>
+              <a:rPr lang="en-US" dirty="0"/>
+              <a:t>If yes to port scanning, scrapper will prompt the user for settings or allow the user to use the default settings</a:t>
+            </a:r>
+          </a:p>
+        </p:txBody>
+      </p:sp>
+    </p:spTree>
+    <p:extLst>
+      <p:ext uri="{BB962C8B-B14F-4D97-AF65-F5344CB8AC3E}">
+        <p14:creationId xmlns:p14="http://schemas.microsoft.com/office/powerpoint/2010/main" val="1466393632"/>
       </p:ext>
     </p:extLst>
   </p:cSld>
